--- a/Vehicle Routing Problem - Final.pptx
+++ b/Vehicle Routing Problem - Final.pptx
@@ -206,7 +206,7 @@
           <a:p>
             <a:fld id="{A46728B4-860D-46BC-94B5-447A1A1073C7}" type="datetimeFigureOut">
               <a:rPr lang="en-US" smtClean="0"/>
-              <a:t>01-Dec-17</a:t>
+              <a:t>02-Dec-17</a:t>
             </a:fld>
             <a:endParaRPr lang="en-US"/>
           </a:p>
@@ -625,29 +625,6 @@
           <a:bodyPr/>
           <a:lstStyle/>
           <a:p>
-            <a:pPr marL="0" marR="0" lvl="0" indent="0" algn="l" defTabSz="914400" rtl="0" eaLnBrk="1" fontAlgn="auto" latinLnBrk="0" hangingPunct="1">
-              <a:lnSpc>
-                <a:spcPct val="100000"/>
-              </a:lnSpc>
-              <a:spcBef>
-                <a:spcPts val="0"/>
-              </a:spcBef>
-              <a:spcAft>
-                <a:spcPts val="0"/>
-              </a:spcAft>
-              <a:buClrTx/>
-              <a:buSzTx/>
-              <a:buFontTx/>
-              <a:buNone/>
-              <a:tabLst/>
-              <a:defRPr/>
-            </a:pPr>
-            <a:r>
-              <a:rPr lang="en-US" dirty="0" smtClean="0"/>
-              <a:t>“Variables”  ( several depots, dispersed cities /customers, vehicle fleet / delivery executives)</a:t>
-            </a:r>
-          </a:p>
-          <a:p>
             <a:endParaRPr lang="en-US" dirty="0"/>
           </a:p>
         </p:txBody>
@@ -998,7 +975,7 @@
           <a:p>
             <a:fld id="{C5BB9458-FDF2-416C-BA50-107E54A45024}" type="datetimeFigureOut">
               <a:rPr lang="en-US" smtClean="0"/>
-              <a:t>01-Dec-17</a:t>
+              <a:t>02-Dec-17</a:t>
             </a:fld>
             <a:endParaRPr lang="en-US"/>
           </a:p>
@@ -1206,7 +1183,7 @@
           <a:p>
             <a:fld id="{C5BB9458-FDF2-416C-BA50-107E54A45024}" type="datetimeFigureOut">
               <a:rPr lang="en-US" smtClean="0"/>
-              <a:t>01-Dec-17</a:t>
+              <a:t>02-Dec-17</a:t>
             </a:fld>
             <a:endParaRPr lang="en-US"/>
           </a:p>
@@ -1462,7 +1439,7 @@
           <a:p>
             <a:fld id="{C5BB9458-FDF2-416C-BA50-107E54A45024}" type="datetimeFigureOut">
               <a:rPr lang="en-US" smtClean="0"/>
-              <a:t>01-Dec-17</a:t>
+              <a:t>02-Dec-17</a:t>
             </a:fld>
             <a:endParaRPr lang="en-US"/>
           </a:p>
@@ -1636,7 +1613,7 @@
           <a:p>
             <a:fld id="{C5BB9458-FDF2-416C-BA50-107E54A45024}" type="datetimeFigureOut">
               <a:rPr lang="en-US" smtClean="0"/>
-              <a:t>01-Dec-17</a:t>
+              <a:t>02-Dec-17</a:t>
             </a:fld>
             <a:endParaRPr lang="en-US"/>
           </a:p>
@@ -1979,7 +1956,7 @@
           <a:p>
             <a:fld id="{C5BB9458-FDF2-416C-BA50-107E54A45024}" type="datetimeFigureOut">
               <a:rPr lang="en-US" smtClean="0"/>
-              <a:t>01-Dec-17</a:t>
+              <a:t>02-Dec-17</a:t>
             </a:fld>
             <a:endParaRPr lang="en-US"/>
           </a:p>
@@ -2254,7 +2231,7 @@
           <a:p>
             <a:fld id="{C5BB9458-FDF2-416C-BA50-107E54A45024}" type="datetimeFigureOut">
               <a:rPr lang="en-US" smtClean="0"/>
-              <a:t>01-Dec-17</a:t>
+              <a:t>02-Dec-17</a:t>
             </a:fld>
             <a:endParaRPr lang="en-US"/>
           </a:p>
@@ -2633,7 +2610,7 @@
           <a:p>
             <a:fld id="{C5BB9458-FDF2-416C-BA50-107E54A45024}" type="datetimeFigureOut">
               <a:rPr lang="en-US" smtClean="0"/>
-              <a:t>01-Dec-17</a:t>
+              <a:t>02-Dec-17</a:t>
             </a:fld>
             <a:endParaRPr lang="en-US"/>
           </a:p>
@@ -2751,7 +2728,7 @@
           <a:p>
             <a:fld id="{C5BB9458-FDF2-416C-BA50-107E54A45024}" type="datetimeFigureOut">
               <a:rPr lang="en-US" smtClean="0"/>
-              <a:t>01-Dec-17</a:t>
+              <a:t>02-Dec-17</a:t>
             </a:fld>
             <a:endParaRPr lang="en-US"/>
           </a:p>
@@ -2922,7 +2899,7 @@
           <a:p>
             <a:fld id="{C5BB9458-FDF2-416C-BA50-107E54A45024}" type="datetimeFigureOut">
               <a:rPr lang="en-US" smtClean="0"/>
-              <a:t>01-Dec-17</a:t>
+              <a:t>02-Dec-17</a:t>
             </a:fld>
             <a:endParaRPr lang="en-US"/>
           </a:p>
@@ -3276,7 +3253,7 @@
           <a:p>
             <a:fld id="{C5BB9458-FDF2-416C-BA50-107E54A45024}" type="datetimeFigureOut">
               <a:rPr lang="en-US" smtClean="0"/>
-              <a:t>01-Dec-17</a:t>
+              <a:t>02-Dec-17</a:t>
             </a:fld>
             <a:endParaRPr lang="en-US"/>
           </a:p>
@@ -3658,7 +3635,7 @@
           <a:p>
             <a:fld id="{C5BB9458-FDF2-416C-BA50-107E54A45024}" type="datetimeFigureOut">
               <a:rPr lang="en-US" smtClean="0"/>
-              <a:t>01-Dec-17</a:t>
+              <a:t>02-Dec-17</a:t>
             </a:fld>
             <a:endParaRPr lang="en-US"/>
           </a:p>
@@ -3945,7 +3922,7 @@
           <a:p>
             <a:fld id="{C5BB9458-FDF2-416C-BA50-107E54A45024}" type="datetimeFigureOut">
               <a:rPr lang="en-US" smtClean="0"/>
-              <a:t>01-Dec-17</a:t>
+              <a:t>02-Dec-17</a:t>
             </a:fld>
             <a:endParaRPr lang="en-US"/>
           </a:p>
@@ -4729,7 +4706,6 @@
               <a:rPr lang="en-US" dirty="0" smtClean="0"/>
               <a:t>.</a:t>
             </a:r>
-            <a:endParaRPr lang="en-US" dirty="0" smtClean="0"/>
           </a:p>
           <a:p>
             <a:endParaRPr lang="en-US" dirty="0"/>
@@ -5115,7 +5091,6 @@
               <a:rPr lang="en-US" dirty="0"/>
               <a:t>(Capacitated) Vehicle Routing Problem</a:t>
             </a:r>
-            <a:endParaRPr lang="en-US" dirty="0"/>
           </a:p>
         </p:txBody>
       </p:sp>
@@ -5140,7 +5115,6 @@
               <a:rPr lang="en-US" sz="2400" b="1" dirty="0" smtClean="0"/>
               <a:t>CVRP</a:t>
             </a:r>
-            <a:endParaRPr lang="en-US" sz="2400" b="1" dirty="0" smtClean="0"/>
           </a:p>
           <a:p>
             <a:endParaRPr lang="en-US" i="1" dirty="0" smtClean="0"/>
@@ -5151,17 +5125,8 @@
           <a:p>
             <a:r>
               <a:rPr lang="en-US" i="1" dirty="0" smtClean="0"/>
-              <a:t>The </a:t>
-            </a:r>
-            <a:r>
-              <a:rPr lang="en-US" i="1" dirty="0" smtClean="0"/>
-              <a:t>objective - To deliver a set of customers with known demands on minimum-cost vehicle routes originating and terminating at a depot</a:t>
-            </a:r>
-            <a:r>
-              <a:rPr lang="en-US" i="1" dirty="0" smtClean="0"/>
-              <a:t>.</a:t>
-            </a:r>
-            <a:endParaRPr lang="en-US" i="1" dirty="0" smtClean="0"/>
+              <a:t>The objective - To deliver a set of customers with known demands on minimum-cost vehicle routes originating and terminating at a depot.</a:t>
+            </a:r>
           </a:p>
           <a:p>
             <a:endParaRPr lang="en-US" dirty="0"/>
@@ -5370,7 +5335,7 @@
         <p:spPr>
           <a:xfrm>
             <a:off x="1301996" y="1869743"/>
-            <a:ext cx="9567080" cy="3200876"/>
+            <a:ext cx="9567080" cy="2492990"/>
           </a:xfrm>
           <a:prstGeom prst="rect">
             <a:avLst/>
@@ -5435,6 +5400,17 @@
               <a:buChar char="◦"/>
             </a:pPr>
             <a:r>
+              <a:rPr lang="en-US" sz="2000" dirty="0" smtClean="0">
+                <a:solidFill>
+                  <a:schemeClr val="tx1">
+                    <a:lumMod val="75000"/>
+                    <a:lumOff val="25000"/>
+                  </a:schemeClr>
+                </a:solidFill>
+              </a:rPr>
+              <a:t>Improved savings</a:t>
+            </a:r>
+            <a:r>
               <a:rPr lang="en-US" sz="2000" dirty="0">
                 <a:solidFill>
                   <a:schemeClr val="tx1">
@@ -5443,7 +5419,7 @@
                   </a:schemeClr>
                 </a:solidFill>
               </a:rPr>
-              <a:t>Savings: Clark and </a:t>
+              <a:t>: Clark and </a:t>
             </a:r>
             <a:r>
               <a:rPr lang="en-US" sz="2000" dirty="0" smtClean="0">
@@ -5624,69 +5600,6 @@
               </a:rPr>
               <a:t>Algorithm</a:t>
             </a:r>
-          </a:p>
-          <a:p>
-            <a:pPr marL="384048" lvl="1" indent="-182880">
-              <a:lnSpc>
-                <a:spcPct val="90000"/>
-              </a:lnSpc>
-              <a:spcBef>
-                <a:spcPts val="200"/>
-              </a:spcBef>
-              <a:spcAft>
-                <a:spcPts val="400"/>
-              </a:spcAft>
-              <a:buClr>
-                <a:schemeClr val="accent1"/>
-              </a:buClr>
-              <a:buFont typeface="Calibri" pitchFamily="34" charset="0"/>
-              <a:buChar char="◦"/>
-            </a:pPr>
-            <a:endParaRPr lang="en-US" sz="2000" dirty="0" smtClean="0">
-              <a:solidFill>
-                <a:schemeClr val="tx1">
-                  <a:lumMod val="75000"/>
-                  <a:lumOff val="25000"/>
-                </a:schemeClr>
-              </a:solidFill>
-            </a:endParaRPr>
-          </a:p>
-          <a:p>
-            <a:pPr marL="384048" lvl="1" indent="-182880">
-              <a:lnSpc>
-                <a:spcPct val="90000"/>
-              </a:lnSpc>
-              <a:spcBef>
-                <a:spcPts val="200"/>
-              </a:spcBef>
-              <a:spcAft>
-                <a:spcPts val="400"/>
-              </a:spcAft>
-              <a:buClr>
-                <a:schemeClr val="accent1"/>
-              </a:buClr>
-              <a:buFont typeface="Calibri" pitchFamily="34" charset="0"/>
-              <a:buChar char="◦"/>
-            </a:pPr>
-            <a:r>
-              <a:rPr lang="en-US" sz="2000" i="1" dirty="0" smtClean="0">
-                <a:solidFill>
-                  <a:schemeClr val="tx1">
-                    <a:lumMod val="75000"/>
-                    <a:lumOff val="25000"/>
-                  </a:schemeClr>
-                </a:solidFill>
-              </a:rPr>
-              <a:t>Improvements expected</a:t>
-            </a:r>
-            <a:endParaRPr lang="en-US" sz="2000" i="1" dirty="0">
-              <a:solidFill>
-                <a:schemeClr val="tx1">
-                  <a:lumMod val="75000"/>
-                  <a:lumOff val="25000"/>
-                </a:schemeClr>
-              </a:solidFill>
-            </a:endParaRPr>
           </a:p>
         </p:txBody>
       </p:sp>
@@ -6095,7 +6008,7 @@
           <a:p>
             <a:r>
               <a:rPr lang="en-US" dirty="0" smtClean="0"/>
-              <a:t>2-phase – Cluster-first , Route-Second</a:t>
+              <a:t>2-phase : Cluster-first , Route-Second</a:t>
             </a:r>
             <a:endParaRPr lang="en-US" dirty="0"/>
           </a:p>
@@ -6228,7 +6141,7 @@
           <a:p>
             <a:r>
               <a:rPr lang="en-US" dirty="0" smtClean="0"/>
-              <a:t>PROPOSED PLAN OF ACTION</a:t>
+              <a:t>Division of implementations</a:t>
             </a:r>
             <a:endParaRPr lang="en-US" dirty="0"/>
           </a:p>
@@ -6251,7 +6164,7 @@
           <a:p>
             <a:r>
               <a:rPr lang="en-US" dirty="0" smtClean="0"/>
-              <a:t>Jay – Designing the heuristic function</a:t>
+              <a:t>Jay – Implementation of Improved savings, Partial implementation of sweep</a:t>
             </a:r>
           </a:p>
           <a:p>
@@ -6261,7 +6174,15 @@
             </a:r>
             <a:r>
               <a:rPr lang="en-US" dirty="0" smtClean="0"/>
-              <a:t> – Modifying the Genetic Algorithm so that it suits our case</a:t>
+              <a:t> – </a:t>
+            </a:r>
+            <a:r>
+              <a:rPr lang="en-US" dirty="0"/>
+              <a:t>Genetic algorithm, Partial implementation of </a:t>
+            </a:r>
+            <a:r>
+              <a:rPr lang="en-US" dirty="0" smtClean="0"/>
+              <a:t>sweep</a:t>
             </a:r>
           </a:p>
           <a:p>
@@ -6271,7 +6192,7 @@
             </a:r>
             <a:r>
               <a:rPr lang="en-US" dirty="0" smtClean="0"/>
-              <a:t> – Work on constraints and the optimized values required for the problem</a:t>
+              <a:t> – Genetic Algorithm</a:t>
             </a:r>
             <a:endParaRPr lang="en-US" dirty="0"/>
           </a:p>
@@ -6366,6 +6287,13 @@
   <p:clrMapOvr>
     <a:masterClrMapping/>
   </p:clrMapOvr>
+  <p:timing>
+    <p:tnLst>
+      <p:par>
+        <p:cTn id="1" dur="indefinite" restart="never" nodeType="tmRoot"/>
+      </p:par>
+    </p:tnLst>
+  </p:timing>
 </p:sld>
 </file>
 
